--- a/docs/diagrams/LogicComponentCommandClassDiagram.pptx
+++ b/docs/diagrams/LogicComponentCommandClassDiagram.pptx
@@ -212,7 +212,7 @@
           <a:p>
             <a:fld id="{F5CC4B3F-88C1-4FFA-B1B6-F41C21DC6924}" type="datetimeFigureOut">
               <a:rPr lang="en-US" smtClean="0"/>
-              <a:t>7/20/17</a:t>
+              <a:t>7/21/17</a:t>
             </a:fld>
             <a:endParaRPr lang="en-US"/>
           </a:p>
@@ -658,7 +658,7 @@
           <a:p>
             <a:fld id="{78C97017-6FC3-485B-9764-EAC9E56C1D49}" type="datetimeFigureOut">
               <a:rPr lang="en-US" smtClean="0"/>
-              <a:t>7/20/17</a:t>
+              <a:t>7/21/17</a:t>
             </a:fld>
             <a:endParaRPr lang="en-US"/>
           </a:p>
@@ -826,7 +826,7 @@
           <a:p>
             <a:fld id="{78C97017-6FC3-485B-9764-EAC9E56C1D49}" type="datetimeFigureOut">
               <a:rPr lang="en-US" smtClean="0"/>
-              <a:t>7/20/17</a:t>
+              <a:t>7/21/17</a:t>
             </a:fld>
             <a:endParaRPr lang="en-US"/>
           </a:p>
@@ -1004,7 +1004,7 @@
           <a:p>
             <a:fld id="{78C97017-6FC3-485B-9764-EAC9E56C1D49}" type="datetimeFigureOut">
               <a:rPr lang="en-US" smtClean="0"/>
-              <a:t>7/20/17</a:t>
+              <a:t>7/21/17</a:t>
             </a:fld>
             <a:endParaRPr lang="en-US"/>
           </a:p>
@@ -1172,7 +1172,7 @@
           <a:p>
             <a:fld id="{78C97017-6FC3-485B-9764-EAC9E56C1D49}" type="datetimeFigureOut">
               <a:rPr lang="en-US" smtClean="0"/>
-              <a:t>7/20/17</a:t>
+              <a:t>7/21/17</a:t>
             </a:fld>
             <a:endParaRPr lang="en-US"/>
           </a:p>
@@ -1417,7 +1417,7 @@
           <a:p>
             <a:fld id="{78C97017-6FC3-485B-9764-EAC9E56C1D49}" type="datetimeFigureOut">
               <a:rPr lang="en-US" smtClean="0"/>
-              <a:t>7/20/17</a:t>
+              <a:t>7/21/17</a:t>
             </a:fld>
             <a:endParaRPr lang="en-US"/>
           </a:p>
@@ -1702,7 +1702,7 @@
           <a:p>
             <a:fld id="{78C97017-6FC3-485B-9764-EAC9E56C1D49}" type="datetimeFigureOut">
               <a:rPr lang="en-US" smtClean="0"/>
-              <a:t>7/20/17</a:t>
+              <a:t>7/21/17</a:t>
             </a:fld>
             <a:endParaRPr lang="en-US"/>
           </a:p>
@@ -2121,7 +2121,7 @@
           <a:p>
             <a:fld id="{78C97017-6FC3-485B-9764-EAC9E56C1D49}" type="datetimeFigureOut">
               <a:rPr lang="en-US" smtClean="0"/>
-              <a:t>7/20/17</a:t>
+              <a:t>7/21/17</a:t>
             </a:fld>
             <a:endParaRPr lang="en-US"/>
           </a:p>
@@ -2238,7 +2238,7 @@
           <a:p>
             <a:fld id="{78C97017-6FC3-485B-9764-EAC9E56C1D49}" type="datetimeFigureOut">
               <a:rPr lang="en-US" smtClean="0"/>
-              <a:t>7/20/17</a:t>
+              <a:t>7/21/17</a:t>
             </a:fld>
             <a:endParaRPr lang="en-US"/>
           </a:p>
@@ -2333,7 +2333,7 @@
           <a:p>
             <a:fld id="{78C97017-6FC3-485B-9764-EAC9E56C1D49}" type="datetimeFigureOut">
               <a:rPr lang="en-US" smtClean="0"/>
-              <a:t>7/20/17</a:t>
+              <a:t>7/21/17</a:t>
             </a:fld>
             <a:endParaRPr lang="en-US"/>
           </a:p>
@@ -2608,7 +2608,7 @@
           <a:p>
             <a:fld id="{78C97017-6FC3-485B-9764-EAC9E56C1D49}" type="datetimeFigureOut">
               <a:rPr lang="en-US" smtClean="0"/>
-              <a:t>7/20/17</a:t>
+              <a:t>7/21/17</a:t>
             </a:fld>
             <a:endParaRPr lang="en-US"/>
           </a:p>
@@ -2860,7 +2860,7 @@
           <a:p>
             <a:fld id="{78C97017-6FC3-485B-9764-EAC9E56C1D49}" type="datetimeFigureOut">
               <a:rPr lang="en-US" smtClean="0"/>
-              <a:t>7/20/17</a:t>
+              <a:t>7/21/17</a:t>
             </a:fld>
             <a:endParaRPr lang="en-US"/>
           </a:p>
@@ -3071,7 +3071,7 @@
           <a:p>
             <a:fld id="{78C97017-6FC3-485B-9764-EAC9E56C1D49}" type="datetimeFigureOut">
               <a:rPr lang="en-US" smtClean="0"/>
-              <a:t>7/20/17</a:t>
+              <a:t>7/21/17</a:t>
             </a:fld>
             <a:endParaRPr lang="en-US"/>
           </a:p>
@@ -3448,13 +3448,66 @@
       </p:grpSpPr>
       <p:sp>
         <p:nvSpPr>
+          <p:cNvPr id="25" name="Rectangle 65"/>
+          <p:cNvSpPr/>
+          <p:nvPr/>
+        </p:nvSpPr>
+        <p:spPr>
+          <a:xfrm>
+            <a:off x="831983" y="1961662"/>
+            <a:ext cx="1311779" cy="2076938"/>
+          </a:xfrm>
+          <a:prstGeom prst="roundRect">
+            <a:avLst>
+              <a:gd name="adj" fmla="val 3484"/>
+            </a:avLst>
+          </a:prstGeom>
+          <a:solidFill>
+            <a:schemeClr val="accent1">
+              <a:lumMod val="20000"/>
+              <a:lumOff val="80000"/>
+            </a:schemeClr>
+          </a:solidFill>
+          <a:ln w="19050">
+            <a:noFill/>
+          </a:ln>
+          <a:effectLst/>
+        </p:spPr>
+        <p:style>
+          <a:lnRef idx="1">
+            <a:schemeClr val="accent2"/>
+          </a:lnRef>
+          <a:fillRef idx="2">
+            <a:schemeClr val="accent2"/>
+          </a:fillRef>
+          <a:effectRef idx="1">
+            <a:schemeClr val="accent2"/>
+          </a:effectRef>
+          <a:fontRef idx="minor">
+            <a:schemeClr val="dk1"/>
+          </a:fontRef>
+        </p:style>
+        <p:txBody>
+          <a:bodyPr rtlCol="0" anchor="t"/>
+          <a:lstStyle/>
+          <a:p>
+            <a:endParaRPr lang="en-SG" sz="1200" b="1" dirty="0">
+              <a:solidFill>
+                <a:srgbClr val="0070C0"/>
+              </a:solidFill>
+            </a:endParaRPr>
+          </a:p>
+        </p:txBody>
+      </p:sp>
+      <p:sp>
+        <p:nvSpPr>
           <p:cNvPr id="2" name="Rectangle 65"/>
           <p:cNvSpPr/>
           <p:nvPr/>
         </p:nvSpPr>
         <p:spPr>
           <a:xfrm>
-            <a:off x="1981200" y="1524000"/>
+            <a:off x="3124200" y="1600200"/>
             <a:ext cx="5486400" cy="2819400"/>
           </a:xfrm>
           <a:prstGeom prst="roundRect">
@@ -3515,7 +3568,7 @@
         </p:nvSpPr>
         <p:spPr>
           <a:xfrm>
-            <a:off x="4267201" y="1750145"/>
+            <a:off x="5410201" y="1826345"/>
             <a:ext cx="772043" cy="346760"/>
           </a:xfrm>
           <a:prstGeom prst="rect">
@@ -3589,7 +3642,7 @@
         </p:nvCxnSpPr>
         <p:spPr>
           <a:xfrm rot="10800000" flipV="1">
-            <a:off x="3361529" y="1923524"/>
+            <a:off x="4504529" y="1999724"/>
             <a:ext cx="905672" cy="668879"/>
           </a:xfrm>
           <a:prstGeom prst="bentConnector3">
@@ -3625,7 +3678,7 @@
         </p:nvSpPr>
         <p:spPr>
           <a:xfrm>
-            <a:off x="4267200" y="2438400"/>
+            <a:off x="5410200" y="2514600"/>
             <a:ext cx="772043" cy="509659"/>
           </a:xfrm>
           <a:prstGeom prst="rect">
@@ -3718,7 +3771,7 @@
         </p:nvCxnSpPr>
         <p:spPr>
           <a:xfrm rot="5400000">
-            <a:off x="4482476" y="2267652"/>
+            <a:off x="5625476" y="2343852"/>
             <a:ext cx="341495" cy="1"/>
           </a:xfrm>
           <a:prstGeom prst="bentConnector3">
@@ -3754,7 +3807,7 @@
         </p:nvSpPr>
         <p:spPr>
           <a:xfrm rot="10800000" flipV="1">
-            <a:off x="4517969" y="2096904"/>
+            <a:off x="5660969" y="2173104"/>
             <a:ext cx="270504" cy="175523"/>
           </a:xfrm>
           <a:prstGeom prst="triangle">
@@ -3808,7 +3861,7 @@
         </p:nvSpPr>
         <p:spPr>
           <a:xfrm flipH="1">
-            <a:off x="6096001" y="2920928"/>
+            <a:off x="7239001" y="2997128"/>
             <a:ext cx="1175193" cy="359669"/>
           </a:xfrm>
           <a:prstGeom prst="rect">
@@ -3864,7 +3917,7 @@
         </p:nvSpPr>
         <p:spPr>
           <a:xfrm flipH="1">
-            <a:off x="6096000" y="3355236"/>
+            <a:off x="7239000" y="3431436"/>
             <a:ext cx="1175194" cy="359669"/>
           </a:xfrm>
           <a:prstGeom prst="rect">
@@ -3920,7 +3973,7 @@
         </p:nvSpPr>
         <p:spPr>
           <a:xfrm flipH="1">
-            <a:off x="6096000" y="3829903"/>
+            <a:off x="7239000" y="3906103"/>
             <a:ext cx="1175194" cy="359669"/>
           </a:xfrm>
           <a:prstGeom prst="rect">
@@ -3979,7 +4032,7 @@
         </p:nvCxnSpPr>
         <p:spPr>
           <a:xfrm>
-            <a:off x="5039243" y="2693230"/>
+            <a:off x="6182243" y="2769430"/>
             <a:ext cx="1056757" cy="1316508"/>
           </a:xfrm>
           <a:prstGeom prst="bentConnector3">
@@ -4018,7 +4071,7 @@
         </p:nvCxnSpPr>
         <p:spPr>
           <a:xfrm>
-            <a:off x="5039243" y="2693230"/>
+            <a:off x="6182243" y="2769430"/>
             <a:ext cx="1056757" cy="841841"/>
           </a:xfrm>
           <a:prstGeom prst="bentConnector3">
@@ -4057,7 +4110,7 @@
         </p:nvCxnSpPr>
         <p:spPr>
           <a:xfrm>
-            <a:off x="5039243" y="2693230"/>
+            <a:off x="6182243" y="2769430"/>
             <a:ext cx="1056758" cy="407533"/>
           </a:xfrm>
           <a:prstGeom prst="bentConnector3">
@@ -4093,7 +4146,7 @@
         </p:nvSpPr>
         <p:spPr>
           <a:xfrm rot="5400000" flipV="1">
-            <a:off x="4991752" y="2614899"/>
+            <a:off x="6134752" y="2691099"/>
             <a:ext cx="270504" cy="175523"/>
           </a:xfrm>
           <a:prstGeom prst="triangle">
@@ -4147,7 +4200,7 @@
         </p:nvSpPr>
         <p:spPr>
           <a:xfrm flipH="1">
-            <a:off x="2186336" y="2412569"/>
+            <a:off x="3329336" y="2488769"/>
             <a:ext cx="1175193" cy="359669"/>
           </a:xfrm>
           <a:prstGeom prst="rect">
@@ -4203,7 +4256,7 @@
         </p:nvSpPr>
         <p:spPr>
           <a:xfrm flipH="1">
-            <a:off x="2186336" y="2868148"/>
+            <a:off x="3329336" y="2944348"/>
             <a:ext cx="1175193" cy="359669"/>
           </a:xfrm>
           <a:prstGeom prst="rect">
@@ -4262,7 +4315,7 @@
         </p:nvCxnSpPr>
         <p:spPr>
           <a:xfrm rot="10800000" flipV="1">
-            <a:off x="3361529" y="1923525"/>
+            <a:off x="4504529" y="1999725"/>
             <a:ext cx="905672" cy="1124458"/>
           </a:xfrm>
           <a:prstGeom prst="bentConnector3">
@@ -4298,7 +4351,7 @@
         </p:nvSpPr>
         <p:spPr>
           <a:xfrm flipH="1">
-            <a:off x="2185030" y="3320503"/>
+            <a:off x="3328030" y="3396703"/>
             <a:ext cx="1175194" cy="359669"/>
           </a:xfrm>
           <a:prstGeom prst="rect">
@@ -4357,7 +4410,7 @@
         </p:nvCxnSpPr>
         <p:spPr>
           <a:xfrm rot="10800000" flipV="1">
-            <a:off x="3360225" y="1923524"/>
+            <a:off x="4503225" y="1999724"/>
             <a:ext cx="906977" cy="1576813"/>
           </a:xfrm>
           <a:prstGeom prst="bentConnector3">
@@ -4393,7 +4446,7 @@
         </p:nvSpPr>
         <p:spPr>
           <a:xfrm rot="16200000" flipV="1">
-            <a:off x="4044187" y="1835763"/>
+            <a:off x="5187187" y="1911963"/>
             <a:ext cx="270504" cy="175523"/>
           </a:xfrm>
           <a:prstGeom prst="triangle">
@@ -4439,6 +4492,265 @@
           </a:p>
         </p:txBody>
       </p:sp>
+      <p:sp>
+        <p:nvSpPr>
+          <p:cNvPr id="21" name="Rectangle 11"/>
+          <p:cNvSpPr/>
+          <p:nvPr/>
+        </p:nvSpPr>
+        <p:spPr>
+          <a:xfrm flipH="1">
+            <a:off x="1003252" y="2120502"/>
+            <a:ext cx="970326" cy="346760"/>
+          </a:xfrm>
+          <a:prstGeom prst="rect">
+            <a:avLst/>
+          </a:prstGeom>
+          <a:ln w="19050">
+            <a:solidFill>
+              <a:srgbClr val="0070C0"/>
+            </a:solidFill>
+          </a:ln>
+          <a:effectLst/>
+        </p:spPr>
+        <p:style>
+          <a:lnRef idx="1">
+            <a:schemeClr val="accent1"/>
+          </a:lnRef>
+          <a:fillRef idx="2">
+            <a:schemeClr val="accent1"/>
+          </a:fillRef>
+          <a:effectRef idx="1">
+            <a:schemeClr val="accent1"/>
+          </a:effectRef>
+          <a:fontRef idx="minor">
+            <a:schemeClr val="dk1"/>
+          </a:fontRef>
+        </p:style>
+        <p:txBody>
+          <a:bodyPr rtlCol="0" anchor="ctr"/>
+          <a:lstStyle/>
+          <a:p>
+            <a:pPr algn="ctr"/>
+            <a:r>
+              <a:rPr lang="en-US" sz="1050" b="1" dirty="0" err="1" smtClean="0">
+                <a:solidFill>
+                  <a:srgbClr val="0070C0"/>
+                </a:solidFill>
+              </a:rPr>
+              <a:t>XYZCommand</a:t>
+            </a:r>
+            <a:endParaRPr lang="en-SG" sz="1050" b="1" dirty="0">
+              <a:solidFill>
+                <a:srgbClr val="0070C0"/>
+              </a:solidFill>
+            </a:endParaRPr>
+          </a:p>
+        </p:txBody>
+      </p:sp>
+      <p:sp>
+        <p:nvSpPr>
+          <p:cNvPr id="22" name="Rectangle 62"/>
+          <p:cNvSpPr/>
+          <p:nvPr/>
+        </p:nvSpPr>
+        <p:spPr>
+          <a:xfrm>
+            <a:off x="1101850" y="3529390"/>
+            <a:ext cx="772043" cy="346760"/>
+          </a:xfrm>
+          <a:prstGeom prst="rect">
+            <a:avLst/>
+          </a:prstGeom>
+          <a:ln w="19050">
+            <a:solidFill>
+              <a:srgbClr val="0070C0"/>
+            </a:solidFill>
+          </a:ln>
+          <a:effectLst/>
+        </p:spPr>
+        <p:style>
+          <a:lnRef idx="1">
+            <a:schemeClr val="accent1"/>
+          </a:lnRef>
+          <a:fillRef idx="2">
+            <a:schemeClr val="accent1"/>
+          </a:fillRef>
+          <a:effectRef idx="1">
+            <a:schemeClr val="accent1"/>
+          </a:effectRef>
+          <a:fontRef idx="minor">
+            <a:schemeClr val="dk1"/>
+          </a:fontRef>
+        </p:style>
+        <p:txBody>
+          <a:bodyPr rtlCol="0" anchor="ctr"/>
+          <a:lstStyle/>
+          <a:p>
+            <a:pPr algn="ctr"/>
+            <a:r>
+              <a:rPr lang="en-US" sz="1050" b="1" dirty="0">
+                <a:solidFill>
+                  <a:srgbClr val="0070C0"/>
+                </a:solidFill>
+              </a:rPr>
+              <a:t>{abstract}</a:t>
+            </a:r>
+            <a:br>
+              <a:rPr lang="en-US" sz="1050" b="1" dirty="0">
+                <a:solidFill>
+                  <a:srgbClr val="0070C0"/>
+                </a:solidFill>
+              </a:rPr>
+            </a:br>
+            <a:r>
+              <a:rPr lang="en-US" sz="1050" b="1" dirty="0">
+                <a:solidFill>
+                  <a:srgbClr val="0070C0"/>
+                </a:solidFill>
+              </a:rPr>
+              <a:t>Command</a:t>
+            </a:r>
+            <a:endParaRPr lang="en-SG" sz="1050" b="1" dirty="0">
+              <a:solidFill>
+                <a:srgbClr val="0070C0"/>
+              </a:solidFill>
+            </a:endParaRPr>
+          </a:p>
+        </p:txBody>
+      </p:sp>
+      <p:sp>
+        <p:nvSpPr>
+          <p:cNvPr id="23" name="Isosceles Triangle 102"/>
+          <p:cNvSpPr/>
+          <p:nvPr/>
+        </p:nvSpPr>
+        <p:spPr>
+          <a:xfrm flipV="1">
+            <a:off x="1352621" y="3360825"/>
+            <a:ext cx="270504" cy="175523"/>
+          </a:xfrm>
+          <a:prstGeom prst="triangle">
+            <a:avLst/>
+          </a:prstGeom>
+          <a:solidFill>
+            <a:schemeClr val="tx2">
+              <a:lumMod val="60000"/>
+              <a:lumOff val="40000"/>
+            </a:schemeClr>
+          </a:solidFill>
+          <a:ln w="19050">
+            <a:solidFill>
+              <a:srgbClr val="0070C0"/>
+            </a:solidFill>
+          </a:ln>
+          <a:effectLst/>
+        </p:spPr>
+        <p:style>
+          <a:lnRef idx="1">
+            <a:schemeClr val="accent1"/>
+          </a:lnRef>
+          <a:fillRef idx="2">
+            <a:schemeClr val="accent1"/>
+          </a:fillRef>
+          <a:effectRef idx="1">
+            <a:schemeClr val="accent1"/>
+          </a:effectRef>
+          <a:fontRef idx="minor">
+            <a:schemeClr val="dk1"/>
+          </a:fontRef>
+        </p:style>
+        <p:txBody>
+          <a:bodyPr rtlCol="0" anchor="ctr"/>
+          <a:lstStyle/>
+          <a:p>
+            <a:pPr algn="ctr"/>
+            <a:endParaRPr lang="en-SG" sz="1050" b="1">
+              <a:solidFill>
+                <a:srgbClr val="92D050"/>
+              </a:solidFill>
+            </a:endParaRPr>
+          </a:p>
+        </p:txBody>
+      </p:sp>
+      <p:cxnSp>
+        <p:nvCxnSpPr>
+          <p:cNvPr id="24" name="Elbow Connector 23"/>
+          <p:cNvCxnSpPr>
+            <a:endCxn id="23" idx="2"/>
+          </p:cNvCxnSpPr>
+          <p:nvPr/>
+        </p:nvCxnSpPr>
+        <p:spPr>
+          <a:xfrm rot="5400000" flipH="1" flipV="1">
+            <a:off x="1041363" y="2913773"/>
+            <a:ext cx="893563" cy="542"/>
+          </a:xfrm>
+          <a:prstGeom prst="bentConnector3">
+            <a:avLst>
+              <a:gd name="adj1" fmla="val 50000"/>
+            </a:avLst>
+          </a:prstGeom>
+          <a:ln w="19050">
+            <a:headEnd type="none" w="med" len="med"/>
+            <a:tailEnd type="none" w="med" len="med"/>
+          </a:ln>
+        </p:spPr>
+        <p:style>
+          <a:lnRef idx="1">
+            <a:schemeClr val="accent1"/>
+          </a:lnRef>
+          <a:fillRef idx="0">
+            <a:schemeClr val="accent1"/>
+          </a:fillRef>
+          <a:effectRef idx="0">
+            <a:schemeClr val="accent1"/>
+          </a:effectRef>
+          <a:fontRef idx="minor">
+            <a:schemeClr val="tx1"/>
+          </a:fontRef>
+        </p:style>
+      </p:cxnSp>
+      <p:cxnSp>
+        <p:nvCxnSpPr>
+          <p:cNvPr id="30" name="Elbow Connector 25"/>
+          <p:cNvCxnSpPr>
+            <a:stCxn id="2" idx="1"/>
+            <a:endCxn id="25" idx="3"/>
+          </p:cNvCxnSpPr>
+          <p:nvPr/>
+        </p:nvCxnSpPr>
+        <p:spPr>
+          <a:xfrm flipH="1" flipV="1">
+            <a:off x="2143762" y="3000131"/>
+            <a:ext cx="980438" cy="9769"/>
+          </a:xfrm>
+          <a:prstGeom prst="straightConnector1">
+            <a:avLst/>
+          </a:prstGeom>
+          <a:ln w="19050">
+            <a:solidFill>
+              <a:schemeClr val="tx1"/>
+            </a:solidFill>
+            <a:headEnd type="triangle" w="med" len="med"/>
+            <a:tailEnd type="none" w="med" len="med"/>
+          </a:ln>
+        </p:spPr>
+        <p:style>
+          <a:lnRef idx="1">
+            <a:schemeClr val="accent1"/>
+          </a:lnRef>
+          <a:fillRef idx="0">
+            <a:schemeClr val="accent1"/>
+          </a:fillRef>
+          <a:effectRef idx="0">
+            <a:schemeClr val="accent1"/>
+          </a:effectRef>
+          <a:fontRef idx="minor">
+            <a:schemeClr val="tx1"/>
+          </a:fontRef>
+        </p:style>
+      </p:cxnSp>
     </p:spTree>
     <p:extLst>
       <p:ext uri="{BB962C8B-B14F-4D97-AF65-F5344CB8AC3E}">
